--- a/week1/IntroToCloudNativeComputing.pptx
+++ b/week1/IntroToCloudNativeComputing.pptx
@@ -109,6 +109,11 @@
       </a:defRPr>
     </a:lvl9pPr>
   </p:defaultTextStyle>
+  <p:extLst>
+    <p:ext uri="{EFAFB233-063F-42B5-8137-9DF3F51BA10A}">
+      <p15:sldGuideLst xmlns:p15="http://schemas.microsoft.com/office/powerpoint/2012/main"/>
+    </p:ext>
+  </p:extLst>
 </p:presentation>
 </file>
 
@@ -2047,7 +2052,7 @@
           <a:solidFill>
             <a:schemeClr val="bg1"/>
           </a:solidFill>
-          <a:latin typeface="Helvetica Neue Medium" panose="02000503000000020004" pitchFamily="2" charset="0"/>
+          <a:latin typeface="Product Sans" panose="020B0403030502040203" pitchFamily="34" charset="0"/>
           <a:ea typeface="Helvetica Neue Medium" panose="02000503000000020004" pitchFamily="2" charset="0"/>
           <a:cs typeface="Helvetica Neue Medium" panose="02000503000000020004" pitchFamily="2" charset="0"/>
         </a:defRPr>

--- a/week1/IntroToCloudNativeComputing.pptx
+++ b/week1/IntroToCloudNativeComputing.pptx
@@ -175,7 +175,7 @@
             <a:normAutofit/>
           </a:bodyPr>
           <a:lstStyle>
-            <a:lvl1pPr algn="ctr">
+            <a:lvl1pPr algn="l">
               <a:defRPr sz="5400"/>
             </a:lvl1pPr>
           </a:lstStyle>
@@ -212,7 +212,7 @@
         <p:txBody>
           <a:bodyPr/>
           <a:lstStyle>
-            <a:lvl1pPr marL="0" indent="0" algn="ctr">
+            <a:lvl1pPr marL="0" indent="0" algn="l">
               <a:buNone/>
               <a:defRPr sz="2400">
                 <a:solidFill>
@@ -417,7 +417,7 @@
             <a:normAutofit/>
           </a:bodyPr>
           <a:lstStyle>
-            <a:lvl1pPr algn="ctr">
+            <a:lvl1pPr algn="l">
               <a:defRPr sz="5400">
                 <a:solidFill>
                   <a:schemeClr val="tx1">
@@ -461,7 +461,7 @@
         <p:txBody>
           <a:bodyPr/>
           <a:lstStyle>
-            <a:lvl1pPr marL="0" indent="0" algn="ctr">
+            <a:lvl1pPr marL="0" indent="0" algn="l">
               <a:buNone/>
               <a:defRPr sz="2400">
                 <a:solidFill>

--- a/week1/IntroToCloudNativeComputing.pptx
+++ b/week1/IntroToCloudNativeComputing.pptx
@@ -6,11 +6,6 @@
   </p:sldMasterIdLst>
   <p:sldIdLst>
     <p:sldId id="256" r:id="rId2"/>
-    <p:sldId id="261" r:id="rId3"/>
-    <p:sldId id="257" r:id="rId4"/>
-    <p:sldId id="258" r:id="rId5"/>
-    <p:sldId id="259" r:id="rId6"/>
-    <p:sldId id="260" r:id="rId7"/>
   </p:sldIdLst>
   <p:sldSz cx="12192000" cy="6858000"/>
   <p:notesSz cx="6858000" cy="9144000"/>
@@ -2361,7 +2356,14 @@
           <a:p>
             <a:r>
               <a:rPr lang="en-US" dirty="0"/>
-              <a:t>Cool Code Consortium</a:t>
+              <a:t>Introduction to </a:t>
+            </a:r>
+            <a:br>
+              <a:rPr lang="en-US" dirty="0"/>
+            </a:br>
+            <a:r>
+              <a:rPr lang="en-US" dirty="0"/>
+              <a:t>Cloud Native Computing</a:t>
             </a:r>
           </a:p>
         </p:txBody>
@@ -2389,7 +2391,16 @@
           <a:p>
             <a:r>
               <a:rPr lang="en-US" dirty="0"/>
-              <a:t>Subtitle</a:t>
+              <a:t>Docker, Kubernetes, and Scalability</a:t>
+            </a:r>
+          </a:p>
+          <a:p>
+            <a:endParaRPr lang="en-US" dirty="0"/>
+          </a:p>
+          <a:p>
+            <a:r>
+              <a:rPr lang="en-US" dirty="0"/>
+              <a:t>Connor Boyle</a:t>
             </a:r>
           </a:p>
         </p:txBody>
@@ -2398,436 +2409,6 @@
     <p:extLst>
       <p:ext uri="{BB962C8B-B14F-4D97-AF65-F5344CB8AC3E}">
         <p14:creationId xmlns:p14="http://schemas.microsoft.com/office/powerpoint/2010/main" val="297247434"/>
-      </p:ext>
-    </p:extLst>
-  </p:cSld>
-  <p:clrMapOvr>
-    <a:masterClrMapping/>
-  </p:clrMapOvr>
-</p:sld>
-</file>
-
-<file path=ppt/slides/slide2.xml><?xml version="1.0" encoding="utf-8"?>
-<p:sld xmlns:a="http://schemas.openxmlformats.org/drawingml/2006/main" xmlns:r="http://schemas.openxmlformats.org/officeDocument/2006/relationships" xmlns:p="http://schemas.openxmlformats.org/presentationml/2006/main">
-  <p:cSld>
-    <p:spTree>
-      <p:nvGrpSpPr>
-        <p:cNvPr id="1" name=""/>
-        <p:cNvGrpSpPr/>
-        <p:nvPr/>
-      </p:nvGrpSpPr>
-      <p:grpSpPr>
-        <a:xfrm>
-          <a:off x="0" y="0"/>
-          <a:ext cx="0" cy="0"/>
-          <a:chOff x="0" y="0"/>
-          <a:chExt cx="0" cy="0"/>
-        </a:xfrm>
-      </p:grpSpPr>
-      <p:sp>
-        <p:nvSpPr>
-          <p:cNvPr id="2" name="Title 1">
-            <a:extLst>
-              <a:ext uri="{FF2B5EF4-FFF2-40B4-BE49-F238E27FC236}">
-                <a16:creationId xmlns:a16="http://schemas.microsoft.com/office/drawing/2014/main" id="{D595634C-6438-D945-A031-D5B050B8687D}"/>
-              </a:ext>
-            </a:extLst>
-          </p:cNvPr>
-          <p:cNvSpPr>
-            <a:spLocks noGrp="1"/>
-          </p:cNvSpPr>
-          <p:nvPr>
-            <p:ph type="ctrTitle"/>
-          </p:nvPr>
-        </p:nvSpPr>
-        <p:spPr/>
-        <p:txBody>
-          <a:bodyPr/>
-          <a:lstStyle/>
-          <a:p>
-            <a:r>
-              <a:rPr lang="en-US" dirty="0"/>
-              <a:t>Cool Code Consortium</a:t>
-            </a:r>
-          </a:p>
-        </p:txBody>
-      </p:sp>
-      <p:sp>
-        <p:nvSpPr>
-          <p:cNvPr id="4" name="Subtitle 3">
-            <a:extLst>
-              <a:ext uri="{FF2B5EF4-FFF2-40B4-BE49-F238E27FC236}">
-                <a16:creationId xmlns:a16="http://schemas.microsoft.com/office/drawing/2014/main" id="{62D4943E-4FF0-A94D-9BB7-F71330D2D3B7}"/>
-              </a:ext>
-            </a:extLst>
-          </p:cNvPr>
-          <p:cNvSpPr>
-            <a:spLocks noGrp="1"/>
-          </p:cNvSpPr>
-          <p:nvPr>
-            <p:ph type="subTitle" idx="1"/>
-          </p:nvPr>
-        </p:nvSpPr>
-        <p:spPr/>
-        <p:txBody>
-          <a:bodyPr/>
-          <a:lstStyle/>
-          <a:p>
-            <a:r>
-              <a:rPr lang="en-US" dirty="0"/>
-              <a:t>Subtitle</a:t>
-            </a:r>
-          </a:p>
-        </p:txBody>
-      </p:sp>
-    </p:spTree>
-    <p:extLst>
-      <p:ext uri="{BB962C8B-B14F-4D97-AF65-F5344CB8AC3E}">
-        <p14:creationId xmlns:p14="http://schemas.microsoft.com/office/powerpoint/2010/main" val="2153565590"/>
-      </p:ext>
-    </p:extLst>
-  </p:cSld>
-  <p:clrMapOvr>
-    <a:masterClrMapping/>
-  </p:clrMapOvr>
-</p:sld>
-</file>
-
-<file path=ppt/slides/slide3.xml><?xml version="1.0" encoding="utf-8"?>
-<p:sld xmlns:a="http://schemas.openxmlformats.org/drawingml/2006/main" xmlns:r="http://schemas.openxmlformats.org/officeDocument/2006/relationships" xmlns:p="http://schemas.openxmlformats.org/presentationml/2006/main">
-  <p:cSld>
-    <p:spTree>
-      <p:nvGrpSpPr>
-        <p:cNvPr id="1" name=""/>
-        <p:cNvGrpSpPr/>
-        <p:nvPr/>
-      </p:nvGrpSpPr>
-      <p:grpSpPr>
-        <a:xfrm>
-          <a:off x="0" y="0"/>
-          <a:ext cx="0" cy="0"/>
-          <a:chOff x="0" y="0"/>
-          <a:chExt cx="0" cy="0"/>
-        </a:xfrm>
-      </p:grpSpPr>
-      <p:sp>
-        <p:nvSpPr>
-          <p:cNvPr id="4" name="Title 3">
-            <a:extLst>
-              <a:ext uri="{FF2B5EF4-FFF2-40B4-BE49-F238E27FC236}">
-                <a16:creationId xmlns:a16="http://schemas.microsoft.com/office/drawing/2014/main" id="{EA465C7F-BB16-1F4A-854B-645461D5120E}"/>
-              </a:ext>
-            </a:extLst>
-          </p:cNvPr>
-          <p:cNvSpPr>
-            <a:spLocks noGrp="1"/>
-          </p:cNvSpPr>
-          <p:nvPr>
-            <p:ph type="title"/>
-          </p:nvPr>
-        </p:nvSpPr>
-        <p:spPr/>
-        <p:txBody>
-          <a:bodyPr/>
-          <a:lstStyle/>
-          <a:p>
-            <a:r>
-              <a:rPr lang="en-US" dirty="0"/>
-              <a:t>Interesting Things</a:t>
-            </a:r>
-          </a:p>
-        </p:txBody>
-      </p:sp>
-      <p:sp>
-        <p:nvSpPr>
-          <p:cNvPr id="5" name="Content Placeholder 4">
-            <a:extLst>
-              <a:ext uri="{FF2B5EF4-FFF2-40B4-BE49-F238E27FC236}">
-                <a16:creationId xmlns:a16="http://schemas.microsoft.com/office/drawing/2014/main" id="{0DBB1EA8-1C2E-D349-85F3-EF39C90317CC}"/>
-              </a:ext>
-            </a:extLst>
-          </p:cNvPr>
-          <p:cNvSpPr>
-            <a:spLocks noGrp="1"/>
-          </p:cNvSpPr>
-          <p:nvPr>
-            <p:ph idx="1"/>
-          </p:nvPr>
-        </p:nvSpPr>
-        <p:spPr/>
-        <p:txBody>
-          <a:bodyPr/>
-          <a:lstStyle/>
-          <a:p>
-            <a:r>
-              <a:rPr lang="en-US" dirty="0"/>
-              <a:t>More interesting things</a:t>
-            </a:r>
-          </a:p>
-        </p:txBody>
-      </p:sp>
-    </p:spTree>
-    <p:extLst>
-      <p:ext uri="{BB962C8B-B14F-4D97-AF65-F5344CB8AC3E}">
-        <p14:creationId xmlns:p14="http://schemas.microsoft.com/office/powerpoint/2010/main" val="579874118"/>
-      </p:ext>
-    </p:extLst>
-  </p:cSld>
-  <p:clrMapOvr>
-    <a:masterClrMapping/>
-  </p:clrMapOvr>
-</p:sld>
-</file>
-
-<file path=ppt/slides/slide4.xml><?xml version="1.0" encoding="utf-8"?>
-<p:sld xmlns:a="http://schemas.openxmlformats.org/drawingml/2006/main" xmlns:r="http://schemas.openxmlformats.org/officeDocument/2006/relationships" xmlns:p="http://schemas.openxmlformats.org/presentationml/2006/main">
-  <p:cSld>
-    <p:spTree>
-      <p:nvGrpSpPr>
-        <p:cNvPr id="1" name=""/>
-        <p:cNvGrpSpPr/>
-        <p:nvPr/>
-      </p:nvGrpSpPr>
-      <p:grpSpPr>
-        <a:xfrm>
-          <a:off x="0" y="0"/>
-          <a:ext cx="0" cy="0"/>
-          <a:chOff x="0" y="0"/>
-          <a:chExt cx="0" cy="0"/>
-        </a:xfrm>
-      </p:grpSpPr>
-      <p:sp>
-        <p:nvSpPr>
-          <p:cNvPr id="4" name="Title 3">
-            <a:extLst>
-              <a:ext uri="{FF2B5EF4-FFF2-40B4-BE49-F238E27FC236}">
-                <a16:creationId xmlns:a16="http://schemas.microsoft.com/office/drawing/2014/main" id="{22F60EC9-BFDA-6C47-A968-82F4C0CDC1D7}"/>
-              </a:ext>
-            </a:extLst>
-          </p:cNvPr>
-          <p:cNvSpPr>
-            <a:spLocks noGrp="1"/>
-          </p:cNvSpPr>
-          <p:nvPr>
-            <p:ph type="title"/>
-          </p:nvPr>
-        </p:nvSpPr>
-        <p:spPr/>
-        <p:txBody>
-          <a:bodyPr/>
-          <a:lstStyle/>
-          <a:p>
-            <a:r>
-              <a:rPr lang="en-US" dirty="0"/>
-              <a:t>Interesting Things</a:t>
-            </a:r>
-          </a:p>
-        </p:txBody>
-      </p:sp>
-      <p:sp>
-        <p:nvSpPr>
-          <p:cNvPr id="5" name="Content Placeholder 4">
-            <a:extLst>
-              <a:ext uri="{FF2B5EF4-FFF2-40B4-BE49-F238E27FC236}">
-                <a16:creationId xmlns:a16="http://schemas.microsoft.com/office/drawing/2014/main" id="{0D2AD175-F6BE-CB4B-AD97-FAA88B17D57F}"/>
-              </a:ext>
-            </a:extLst>
-          </p:cNvPr>
-          <p:cNvSpPr>
-            <a:spLocks noGrp="1"/>
-          </p:cNvSpPr>
-          <p:nvPr>
-            <p:ph idx="1"/>
-          </p:nvPr>
-        </p:nvSpPr>
-        <p:spPr/>
-        <p:txBody>
-          <a:bodyPr/>
-          <a:lstStyle/>
-          <a:p>
-            <a:r>
-              <a:rPr lang="en-US" dirty="0"/>
-              <a:t>More interesting things</a:t>
-            </a:r>
-          </a:p>
-        </p:txBody>
-      </p:sp>
-    </p:spTree>
-    <p:extLst>
-      <p:ext uri="{BB962C8B-B14F-4D97-AF65-F5344CB8AC3E}">
-        <p14:creationId xmlns:p14="http://schemas.microsoft.com/office/powerpoint/2010/main" val="2981375950"/>
-      </p:ext>
-    </p:extLst>
-  </p:cSld>
-  <p:clrMapOvr>
-    <a:masterClrMapping/>
-  </p:clrMapOvr>
-</p:sld>
-</file>
-
-<file path=ppt/slides/slide5.xml><?xml version="1.0" encoding="utf-8"?>
-<p:sld xmlns:a="http://schemas.openxmlformats.org/drawingml/2006/main" xmlns:r="http://schemas.openxmlformats.org/officeDocument/2006/relationships" xmlns:p="http://schemas.openxmlformats.org/presentationml/2006/main">
-  <p:cSld>
-    <p:spTree>
-      <p:nvGrpSpPr>
-        <p:cNvPr id="1" name=""/>
-        <p:cNvGrpSpPr/>
-        <p:nvPr/>
-      </p:nvGrpSpPr>
-      <p:grpSpPr>
-        <a:xfrm>
-          <a:off x="0" y="0"/>
-          <a:ext cx="0" cy="0"/>
-          <a:chOff x="0" y="0"/>
-          <a:chExt cx="0" cy="0"/>
-        </a:xfrm>
-      </p:grpSpPr>
-      <p:sp>
-        <p:nvSpPr>
-          <p:cNvPr id="4" name="Title 3">
-            <a:extLst>
-              <a:ext uri="{FF2B5EF4-FFF2-40B4-BE49-F238E27FC236}">
-                <a16:creationId xmlns:a16="http://schemas.microsoft.com/office/drawing/2014/main" id="{7ABD97DA-881B-EB4A-BC8D-472A5133A10E}"/>
-              </a:ext>
-            </a:extLst>
-          </p:cNvPr>
-          <p:cNvSpPr>
-            <a:spLocks noGrp="1"/>
-          </p:cNvSpPr>
-          <p:nvPr>
-            <p:ph type="ctrTitle"/>
-          </p:nvPr>
-        </p:nvSpPr>
-        <p:spPr/>
-        <p:txBody>
-          <a:bodyPr/>
-          <a:lstStyle/>
-          <a:p>
-            <a:r>
-              <a:rPr lang="en-US" dirty="0"/>
-              <a:t>Really Important Thing!</a:t>
-            </a:r>
-          </a:p>
-        </p:txBody>
-      </p:sp>
-      <p:sp>
-        <p:nvSpPr>
-          <p:cNvPr id="5" name="Subtitle 4">
-            <a:extLst>
-              <a:ext uri="{FF2B5EF4-FFF2-40B4-BE49-F238E27FC236}">
-                <a16:creationId xmlns:a16="http://schemas.microsoft.com/office/drawing/2014/main" id="{930B4468-37F8-F348-ABEF-B382DB0E4B33}"/>
-              </a:ext>
-            </a:extLst>
-          </p:cNvPr>
-          <p:cNvSpPr>
-            <a:spLocks noGrp="1"/>
-          </p:cNvSpPr>
-          <p:nvPr>
-            <p:ph type="subTitle" idx="1"/>
-          </p:nvPr>
-        </p:nvSpPr>
-        <p:spPr/>
-        <p:txBody>
-          <a:bodyPr/>
-          <a:lstStyle/>
-          <a:p>
-            <a:r>
-              <a:rPr lang="en-US" dirty="0"/>
-              <a:t>Yes, it’s really important…</a:t>
-            </a:r>
-          </a:p>
-        </p:txBody>
-      </p:sp>
-    </p:spTree>
-    <p:extLst>
-      <p:ext uri="{BB962C8B-B14F-4D97-AF65-F5344CB8AC3E}">
-        <p14:creationId xmlns:p14="http://schemas.microsoft.com/office/powerpoint/2010/main" val="1946314558"/>
-      </p:ext>
-    </p:extLst>
-  </p:cSld>
-  <p:clrMapOvr>
-    <a:masterClrMapping/>
-  </p:clrMapOvr>
-</p:sld>
-</file>
-
-<file path=ppt/slides/slide6.xml><?xml version="1.0" encoding="utf-8"?>
-<p:sld xmlns:a="http://schemas.openxmlformats.org/drawingml/2006/main" xmlns:r="http://schemas.openxmlformats.org/officeDocument/2006/relationships" xmlns:p="http://schemas.openxmlformats.org/presentationml/2006/main">
-  <p:cSld>
-    <p:spTree>
-      <p:nvGrpSpPr>
-        <p:cNvPr id="1" name=""/>
-        <p:cNvGrpSpPr/>
-        <p:nvPr/>
-      </p:nvGrpSpPr>
-      <p:grpSpPr>
-        <a:xfrm>
-          <a:off x="0" y="0"/>
-          <a:ext cx="0" cy="0"/>
-          <a:chOff x="0" y="0"/>
-          <a:chExt cx="0" cy="0"/>
-        </a:xfrm>
-      </p:grpSpPr>
-      <p:sp>
-        <p:nvSpPr>
-          <p:cNvPr id="4" name="Title 3">
-            <a:extLst>
-              <a:ext uri="{FF2B5EF4-FFF2-40B4-BE49-F238E27FC236}">
-                <a16:creationId xmlns:a16="http://schemas.microsoft.com/office/drawing/2014/main" id="{7ABD97DA-881B-EB4A-BC8D-472A5133A10E}"/>
-              </a:ext>
-            </a:extLst>
-          </p:cNvPr>
-          <p:cNvSpPr>
-            <a:spLocks noGrp="1"/>
-          </p:cNvSpPr>
-          <p:nvPr>
-            <p:ph type="ctrTitle"/>
-          </p:nvPr>
-        </p:nvSpPr>
-        <p:spPr/>
-        <p:txBody>
-          <a:bodyPr/>
-          <a:lstStyle/>
-          <a:p>
-            <a:r>
-              <a:rPr lang="en-US" dirty="0"/>
-              <a:t>Really Important Thing!</a:t>
-            </a:r>
-          </a:p>
-        </p:txBody>
-      </p:sp>
-      <p:sp>
-        <p:nvSpPr>
-          <p:cNvPr id="5" name="Subtitle 4">
-            <a:extLst>
-              <a:ext uri="{FF2B5EF4-FFF2-40B4-BE49-F238E27FC236}">
-                <a16:creationId xmlns:a16="http://schemas.microsoft.com/office/drawing/2014/main" id="{930B4468-37F8-F348-ABEF-B382DB0E4B33}"/>
-              </a:ext>
-            </a:extLst>
-          </p:cNvPr>
-          <p:cNvSpPr>
-            <a:spLocks noGrp="1"/>
-          </p:cNvSpPr>
-          <p:nvPr>
-            <p:ph type="subTitle" idx="1"/>
-          </p:nvPr>
-        </p:nvSpPr>
-        <p:spPr/>
-        <p:txBody>
-          <a:bodyPr/>
-          <a:lstStyle/>
-          <a:p>
-            <a:r>
-              <a:rPr lang="en-US" dirty="0"/>
-              <a:t>Yes, it’s really important…</a:t>
-            </a:r>
-          </a:p>
-        </p:txBody>
-      </p:sp>
-    </p:spTree>
-    <p:extLst>
-      <p:ext uri="{BB962C8B-B14F-4D97-AF65-F5344CB8AC3E}">
-        <p14:creationId xmlns:p14="http://schemas.microsoft.com/office/powerpoint/2010/main" val="3448179570"/>
       </p:ext>
     </p:extLst>
   </p:cSld>
